--- a/软件工程/火车售票管理系统/软工答辩课设 .pptx
+++ b/软件工程/火车售票管理系统/软工答辩课设 .pptx
@@ -228,7 +228,7 @@
           <a:p>
             <a:fld id="{79F10804-FE04-47AA-8C0E-F2613B59AD83}" type="datetimeFigureOut">
               <a:rPr lang="zh-CN" altLang="en-US" smtClean="0"/>
-              <a:t>2021/12/20</a:t>
+              <a:t>2021/12/21</a:t>
             </a:fld>
             <a:endParaRPr lang="zh-CN" altLang="en-US"/>
           </a:p>
@@ -2609,7 +2609,7 @@
           <a:p>
             <a:fld id="{596E4EAA-5FED-470D-B55B-6C00A1D842EC}" type="datetimeFigureOut">
               <a:rPr lang="zh-CN" altLang="en-US" smtClean="0"/>
-              <a:t>2021/12/20</a:t>
+              <a:t>2021/12/21</a:t>
             </a:fld>
             <a:endParaRPr lang="zh-CN" altLang="en-US"/>
           </a:p>
@@ -2784,7 +2784,7 @@
           <a:p>
             <a:fld id="{596E4EAA-5FED-470D-B55B-6C00A1D842EC}" type="datetimeFigureOut">
               <a:rPr lang="zh-CN" altLang="en-US" smtClean="0"/>
-              <a:t>2021/12/20</a:t>
+              <a:t>2021/12/21</a:t>
             </a:fld>
             <a:endParaRPr lang="zh-CN" altLang="en-US"/>
           </a:p>
@@ -2969,7 +2969,7 @@
           <a:p>
             <a:fld id="{596E4EAA-5FED-470D-B55B-6C00A1D842EC}" type="datetimeFigureOut">
               <a:rPr lang="zh-CN" altLang="en-US" smtClean="0"/>
-              <a:t>2021/12/20</a:t>
+              <a:t>2021/12/21</a:t>
             </a:fld>
             <a:endParaRPr lang="zh-CN" altLang="en-US"/>
           </a:p>
@@ -3144,7 +3144,7 @@
           <a:p>
             <a:fld id="{596E4EAA-5FED-470D-B55B-6C00A1D842EC}" type="datetimeFigureOut">
               <a:rPr lang="zh-CN" altLang="en-US" smtClean="0"/>
-              <a:t>2021/12/20</a:t>
+              <a:t>2021/12/21</a:t>
             </a:fld>
             <a:endParaRPr lang="zh-CN" altLang="en-US"/>
           </a:p>
@@ -3396,7 +3396,7 @@
           <a:p>
             <a:fld id="{596E4EAA-5FED-470D-B55B-6C00A1D842EC}" type="datetimeFigureOut">
               <a:rPr lang="zh-CN" altLang="en-US" smtClean="0"/>
-              <a:t>2021/12/20</a:t>
+              <a:t>2021/12/21</a:t>
             </a:fld>
             <a:endParaRPr lang="zh-CN" altLang="en-US"/>
           </a:p>
@@ -3632,7 +3632,7 @@
           <a:p>
             <a:fld id="{596E4EAA-5FED-470D-B55B-6C00A1D842EC}" type="datetimeFigureOut">
               <a:rPr lang="zh-CN" altLang="en-US" smtClean="0"/>
-              <a:t>2021/12/20</a:t>
+              <a:t>2021/12/21</a:t>
             </a:fld>
             <a:endParaRPr lang="zh-CN" altLang="en-US"/>
           </a:p>
@@ -4003,7 +4003,7 @@
           <a:p>
             <a:fld id="{596E4EAA-5FED-470D-B55B-6C00A1D842EC}" type="datetimeFigureOut">
               <a:rPr lang="zh-CN" altLang="en-US" smtClean="0"/>
-              <a:t>2021/12/20</a:t>
+              <a:t>2021/12/21</a:t>
             </a:fld>
             <a:endParaRPr lang="zh-CN" altLang="en-US"/>
           </a:p>
@@ -4127,7 +4127,7 @@
           <a:p>
             <a:fld id="{596E4EAA-5FED-470D-B55B-6C00A1D842EC}" type="datetimeFigureOut">
               <a:rPr lang="zh-CN" altLang="en-US" smtClean="0"/>
-              <a:t>2021/12/20</a:t>
+              <a:t>2021/12/21</a:t>
             </a:fld>
             <a:endParaRPr lang="zh-CN" altLang="en-US"/>
           </a:p>
@@ -4229,7 +4229,7 @@
           <a:p>
             <a:fld id="{596E4EAA-5FED-470D-B55B-6C00A1D842EC}" type="datetimeFigureOut">
               <a:rPr lang="zh-CN" altLang="en-US" smtClean="0"/>
-              <a:t>2021/12/20</a:t>
+              <a:t>2021/12/21</a:t>
             </a:fld>
             <a:endParaRPr lang="zh-CN" altLang="en-US"/>
           </a:p>
@@ -4511,7 +4511,7 @@
           <a:p>
             <a:fld id="{596E4EAA-5FED-470D-B55B-6C00A1D842EC}" type="datetimeFigureOut">
               <a:rPr lang="zh-CN" altLang="en-US" smtClean="0"/>
-              <a:t>2021/12/20</a:t>
+              <a:t>2021/12/21</a:t>
             </a:fld>
             <a:endParaRPr lang="zh-CN" altLang="en-US"/>
           </a:p>
@@ -4770,7 +4770,7 @@
           <a:p>
             <a:fld id="{596E4EAA-5FED-470D-B55B-6C00A1D842EC}" type="datetimeFigureOut">
               <a:rPr lang="zh-CN" altLang="en-US" smtClean="0"/>
-              <a:t>2021/12/20</a:t>
+              <a:t>2021/12/21</a:t>
             </a:fld>
             <a:endParaRPr lang="zh-CN" altLang="en-US"/>
           </a:p>
@@ -4988,7 +4988,7 @@
           <a:p>
             <a:fld id="{596E4EAA-5FED-470D-B55B-6C00A1D842EC}" type="datetimeFigureOut">
               <a:rPr lang="zh-CN" altLang="en-US" smtClean="0"/>
-              <a:t>2021/12/20</a:t>
+              <a:t>2021/12/21</a:t>
             </a:fld>
             <a:endParaRPr lang="zh-CN" altLang="en-US"/>
           </a:p>
@@ -18448,7 +18448,7 @@
         </p:blipFill>
         <p:spPr>
           <a:xfrm>
-            <a:off x="592137" y="71120"/>
+            <a:off x="839470" y="20317"/>
             <a:ext cx="5372376" cy="3111660"/>
           </a:xfrm>
           <a:prstGeom prst="rect">
@@ -18508,7 +18508,7 @@
         </p:blipFill>
         <p:spPr>
           <a:xfrm>
-            <a:off x="1028439" y="3530606"/>
+            <a:off x="1003300" y="3479802"/>
             <a:ext cx="5156465" cy="2984653"/>
           </a:xfrm>
           <a:prstGeom prst="rect">
